--- a/Wiki/pictures.pptx
+++ b/Wiki/pictures.pptx
@@ -104,6 +104,11 @@
       </a:defRPr>
     </a:lvl9pPr>
   </p:defaultTextStyle>
+  <p:extLst>
+    <p:ext uri="{EFAFB233-063F-42B5-8137-9DF3F51BA10A}">
+      <p15:sldGuideLst xmlns:p15="http://schemas.microsoft.com/office/powerpoint/2012/main"/>
+    </p:ext>
+  </p:extLst>
 </p:presentation>
 </file>
 
@@ -3321,52 +3326,168 @@
           <a:chExt cx="0" cy="0"/>
         </a:xfrm>
       </p:grpSpPr>
-      <p:sp>
-        <p:nvSpPr>
-          <p:cNvPr id="2" name="제목 1">
-            <a:extLst>
-              <a:ext uri="{FF2B5EF4-FFF2-40B4-BE49-F238E27FC236}">
-                <a16:creationId xmlns:a16="http://schemas.microsoft.com/office/drawing/2014/main" id="{0EC1D341-661B-38DF-CEA8-DC3E4C4E5FE3}"/>
-              </a:ext>
-            </a:extLst>
-          </p:cNvPr>
-          <p:cNvSpPr>
-            <a:spLocks noGrp="1"/>
-          </p:cNvSpPr>
-          <p:nvPr>
-            <p:ph type="ctrTitle"/>
-          </p:nvPr>
-        </p:nvSpPr>
-        <p:spPr/>
-        <p:txBody>
-          <a:bodyPr/>
-          <a:lstStyle/>
-          <a:p>
+      <p:pic>
+        <p:nvPicPr>
+          <p:cNvPr id="5" name="그림 4">
+            <a:extLst>
+              <a:ext uri="{FF2B5EF4-FFF2-40B4-BE49-F238E27FC236}">
+                <a16:creationId xmlns:a16="http://schemas.microsoft.com/office/drawing/2014/main" id="{FC06B30F-0C56-6673-41AF-8EF7CABE401E}"/>
+              </a:ext>
+            </a:extLst>
+          </p:cNvPr>
+          <p:cNvPicPr>
+            <a:picLocks noChangeAspect="1"/>
+          </p:cNvPicPr>
+          <p:nvPr/>
+        </p:nvPicPr>
+        <p:blipFill>
+          <a:blip r:embed="rId2"/>
+          <a:stretch>
+            <a:fillRect/>
+          </a:stretch>
+        </p:blipFill>
+        <p:spPr>
+          <a:xfrm>
+            <a:off x="1130451" y="278401"/>
+            <a:ext cx="4618120" cy="5875529"/>
+          </a:xfrm>
+          <a:prstGeom prst="rect">
+            <a:avLst/>
+          </a:prstGeom>
+        </p:spPr>
+      </p:pic>
+      <p:pic>
+        <p:nvPicPr>
+          <p:cNvPr id="7" name="그림 6">
+            <a:extLst>
+              <a:ext uri="{FF2B5EF4-FFF2-40B4-BE49-F238E27FC236}">
+                <a16:creationId xmlns:a16="http://schemas.microsoft.com/office/drawing/2014/main" id="{EC61799B-7FC7-3E75-A483-E1FC7A6B4CC6}"/>
+              </a:ext>
+            </a:extLst>
+          </p:cNvPr>
+          <p:cNvPicPr>
+            <a:picLocks noChangeAspect="1"/>
+          </p:cNvPicPr>
+          <p:nvPr/>
+        </p:nvPicPr>
+        <p:blipFill>
+          <a:blip r:embed="rId3"/>
+          <a:stretch>
+            <a:fillRect/>
+          </a:stretch>
+        </p:blipFill>
+        <p:spPr>
+          <a:xfrm>
+            <a:off x="5808867" y="278401"/>
+            <a:ext cx="4618120" cy="5875529"/>
+          </a:xfrm>
+          <a:prstGeom prst="rect">
+            <a:avLst/>
+          </a:prstGeom>
+        </p:spPr>
+      </p:pic>
+      <p:sp>
+        <p:nvSpPr>
+          <p:cNvPr id="8" name="타원 7">
+            <a:extLst>
+              <a:ext uri="{FF2B5EF4-FFF2-40B4-BE49-F238E27FC236}">
+                <a16:creationId xmlns:a16="http://schemas.microsoft.com/office/drawing/2014/main" id="{A387F7B4-6A2A-68F2-696E-C151F8957660}"/>
+              </a:ext>
+            </a:extLst>
+          </p:cNvPr>
+          <p:cNvSpPr/>
+          <p:nvPr/>
+        </p:nvSpPr>
+        <p:spPr>
+          <a:xfrm>
+            <a:off x="3992617" y="4418286"/>
+            <a:ext cx="1131176" cy="1079938"/>
+          </a:xfrm>
+          <a:prstGeom prst="ellipse">
+            <a:avLst/>
+          </a:prstGeom>
+          <a:noFill/>
+          <a:ln>
+            <a:solidFill>
+              <a:srgbClr val="FF0000"/>
+            </a:solidFill>
+            <a:prstDash val="sysDash"/>
+          </a:ln>
+        </p:spPr>
+        <p:style>
+          <a:lnRef idx="2">
+            <a:schemeClr val="accent1">
+              <a:shade val="15000"/>
+            </a:schemeClr>
+          </a:lnRef>
+          <a:fillRef idx="1">
+            <a:schemeClr val="accent1"/>
+          </a:fillRef>
+          <a:effectRef idx="0">
+            <a:schemeClr val="accent1"/>
+          </a:effectRef>
+          <a:fontRef idx="minor">
+            <a:schemeClr val="lt1"/>
+          </a:fontRef>
+        </p:style>
+        <p:txBody>
+          <a:bodyPr rtlCol="0" anchor="ctr"/>
+          <a:lstStyle/>
+          <a:p>
+            <a:pPr algn="ctr"/>
             <a:endParaRPr lang="ko-KR" altLang="en-US"/>
           </a:p>
         </p:txBody>
       </p:sp>
       <p:sp>
         <p:nvSpPr>
-          <p:cNvPr id="3" name="부제목 2">
-            <a:extLst>
-              <a:ext uri="{FF2B5EF4-FFF2-40B4-BE49-F238E27FC236}">
-                <a16:creationId xmlns:a16="http://schemas.microsoft.com/office/drawing/2014/main" id="{72372EC4-B930-AD63-3813-0D24DEC7C852}"/>
-              </a:ext>
-            </a:extLst>
-          </p:cNvPr>
-          <p:cNvSpPr>
-            <a:spLocks noGrp="1"/>
-          </p:cNvSpPr>
-          <p:nvPr>
-            <p:ph type="subTitle" idx="1"/>
-          </p:nvPr>
-        </p:nvSpPr>
-        <p:spPr/>
-        <p:txBody>
-          <a:bodyPr/>
-          <a:lstStyle/>
-          <a:p>
+          <p:cNvPr id="9" name="타원 8">
+            <a:extLst>
+              <a:ext uri="{FF2B5EF4-FFF2-40B4-BE49-F238E27FC236}">
+                <a16:creationId xmlns:a16="http://schemas.microsoft.com/office/drawing/2014/main" id="{CC55C2C9-F369-9D78-709A-8F189503777D}"/>
+              </a:ext>
+            </a:extLst>
+          </p:cNvPr>
+          <p:cNvSpPr/>
+          <p:nvPr/>
+        </p:nvSpPr>
+        <p:spPr>
+          <a:xfrm>
+            <a:off x="8698624" y="4418286"/>
+            <a:ext cx="1131176" cy="1079938"/>
+          </a:xfrm>
+          <a:prstGeom prst="ellipse">
+            <a:avLst/>
+          </a:prstGeom>
+          <a:noFill/>
+          <a:ln>
+            <a:solidFill>
+              <a:srgbClr val="FF0000"/>
+            </a:solidFill>
+            <a:prstDash val="sysDash"/>
+          </a:ln>
+        </p:spPr>
+        <p:style>
+          <a:lnRef idx="2">
+            <a:schemeClr val="accent1">
+              <a:shade val="15000"/>
+            </a:schemeClr>
+          </a:lnRef>
+          <a:fillRef idx="1">
+            <a:schemeClr val="accent1"/>
+          </a:fillRef>
+          <a:effectRef idx="0">
+            <a:schemeClr val="accent1"/>
+          </a:effectRef>
+          <a:fontRef idx="minor">
+            <a:schemeClr val="lt1"/>
+          </a:fontRef>
+        </p:style>
+        <p:txBody>
+          <a:bodyPr rtlCol="0" anchor="ctr"/>
+          <a:lstStyle/>
+          <a:p>
+            <a:pPr algn="ctr"/>
             <a:endParaRPr lang="ko-KR" altLang="en-US"/>
           </a:p>
         </p:txBody>
